--- a/English Scratch Cards with extra margin for printing/microbit-cards.pptx
+++ b/English Scratch Cards with extra margin for printing/microbit-cards.pptx
@@ -223,7 +223,7 @@
           <a:p>
             <a:fld id="{3CEA8EFF-759D-104F-87FE-F45EEEF4B6E3}" type="datetimeFigureOut">
               <a:rPr lang="en-US" smtClean="0"/>
-              <a:t>1/29/2021</a:t>
+              <a:t>2/7/2021</a:t>
             </a:fld>
             <a:endParaRPr lang="en-US"/>
           </a:p>
@@ -715,7 +715,7 @@
           <a:p>
             <a:fld id="{1D8BD707-D9CF-40AE-B4C6-C98DA3205C09}" type="datetimeFigureOut">
               <a:rPr lang="en-US"/>
-              <a:t>1/29/2021</a:t>
+              <a:t>2/7/2021</a:t>
             </a:fld>
             <a:endParaRPr lang="en-US"/>
           </a:p>
@@ -890,7 +890,7 @@
           <a:p>
             <a:fld id="{1D8BD707-D9CF-40AE-B4C6-C98DA3205C09}" type="datetimeFigureOut">
               <a:rPr lang="en-US"/>
-              <a:t>1/29/2021</a:t>
+              <a:t>2/7/2021</a:t>
             </a:fld>
             <a:endParaRPr lang="en-US"/>
           </a:p>
@@ -1104,7 +1104,7 @@
           <a:p>
             <a:fld id="{1D8BD707-D9CF-40AE-B4C6-C98DA3205C09}" type="datetimeFigureOut">
               <a:rPr lang="en-US"/>
-              <a:t>1/29/2021</a:t>
+              <a:t>2/7/2021</a:t>
             </a:fld>
             <a:endParaRPr lang="en-US"/>
           </a:p>
@@ -1252,7 +1252,7 @@
           <a:p>
             <a:fld id="{1D8BD707-D9CF-40AE-B4C6-C98DA3205C09}" type="datetimeFigureOut">
               <a:rPr lang="en-US"/>
-              <a:t>1/29/2021</a:t>
+              <a:t>2/7/2021</a:t>
             </a:fld>
             <a:endParaRPr lang="en-US"/>
           </a:p>
@@ -1371,7 +1371,7 @@
           <a:p>
             <a:fld id="{1D8BD707-D9CF-40AE-B4C6-C98DA3205C09}" type="datetimeFigureOut">
               <a:rPr lang="en-US"/>
-              <a:t>1/29/2021</a:t>
+              <a:t>2/7/2021</a:t>
             </a:fld>
             <a:endParaRPr lang="en-US"/>
           </a:p>
@@ -1594,7 +1594,7 @@
           <a:p>
             <a:fld id="{1D8BD707-D9CF-40AE-B4C6-C98DA3205C09}" type="datetimeFigureOut">
               <a:rPr lang="en-US"/>
-              <a:t>1/29/2021</a:t>
+              <a:t>2/7/2021</a:t>
             </a:fld>
             <a:endParaRPr lang="en-US"/>
           </a:p>
@@ -6410,6 +6410,51 @@
           </a:p>
         </p:txBody>
       </p:sp>
+      <p:sp>
+        <p:nvSpPr>
+          <p:cNvPr id="53" name="Tekstvak 58">
+            <a:extLst>
+              <a:ext uri="{FF2B5EF4-FFF2-40B4-BE49-F238E27FC236}">
+                <a16:creationId xmlns:a16="http://schemas.microsoft.com/office/drawing/2014/main" id="{5C479D4D-DE05-478E-9E17-F238B4397E92}"/>
+              </a:ext>
+            </a:extLst>
+          </p:cNvPr>
+          <p:cNvSpPr txBox="1"/>
+          <p:nvPr/>
+        </p:nvSpPr>
+        <p:spPr>
+          <a:xfrm rot="16200000">
+            <a:off x="3968637" y="5917507"/>
+            <a:ext cx="1401783" cy="379510"/>
+          </a:xfrm>
+          <a:prstGeom prst="rect">
+            <a:avLst/>
+          </a:prstGeom>
+          <a:noFill/>
+        </p:spPr>
+        <p:txBody>
+          <a:bodyPr wrap="square" tIns="0" bIns="280800" rtlCol="0" anchor="b" anchorCtr="0">
+            <a:spAutoFit/>
+          </a:bodyPr>
+          <a:lstStyle/>
+          <a:p>
+            <a:pPr algn="r"/>
+            <a:r>
+              <a:rPr lang="en-US" sz="600" dirty="0" err="1">
+                <a:solidFill>
+                  <a:srgbClr val="2980FF"/>
+                </a:solidFill>
+              </a:rPr>
+              <a:t>yyyymmdd</a:t>
+            </a:r>
+            <a:endParaRPr lang="en-US" sz="600" dirty="0">
+              <a:solidFill>
+                <a:srgbClr val="2980FF"/>
+              </a:solidFill>
+            </a:endParaRPr>
+          </a:p>
+        </p:txBody>
+      </p:sp>
     </p:spTree>
   </p:cSld>
   <p:clrMapOvr>
@@ -10183,6 +10228,51 @@
           </a:p>
         </p:txBody>
       </p:sp>
+      <p:sp>
+        <p:nvSpPr>
+          <p:cNvPr id="18" name="Tekstvak 58">
+            <a:extLst>
+              <a:ext uri="{FF2B5EF4-FFF2-40B4-BE49-F238E27FC236}">
+                <a16:creationId xmlns:a16="http://schemas.microsoft.com/office/drawing/2014/main" id="{6F0F7AAB-FCEA-4422-A78C-A5D254C0C829}"/>
+              </a:ext>
+            </a:extLst>
+          </p:cNvPr>
+          <p:cNvSpPr txBox="1"/>
+          <p:nvPr/>
+        </p:nvSpPr>
+        <p:spPr>
+          <a:xfrm rot="16200000">
+            <a:off x="3968637" y="5917507"/>
+            <a:ext cx="1401783" cy="379510"/>
+          </a:xfrm>
+          <a:prstGeom prst="rect">
+            <a:avLst/>
+          </a:prstGeom>
+          <a:noFill/>
+        </p:spPr>
+        <p:txBody>
+          <a:bodyPr wrap="square" tIns="0" bIns="280800" rtlCol="0" anchor="b" anchorCtr="0">
+            <a:spAutoFit/>
+          </a:bodyPr>
+          <a:lstStyle/>
+          <a:p>
+            <a:pPr algn="r"/>
+            <a:r>
+              <a:rPr lang="en-US" sz="600" dirty="0" err="1">
+                <a:solidFill>
+                  <a:srgbClr val="2980FF"/>
+                </a:solidFill>
+              </a:rPr>
+              <a:t>yyyymmdd</a:t>
+            </a:r>
+            <a:endParaRPr lang="en-US" sz="600" dirty="0">
+              <a:solidFill>
+                <a:srgbClr val="2980FF"/>
+              </a:solidFill>
+            </a:endParaRPr>
+          </a:p>
+        </p:txBody>
+      </p:sp>
     </p:spTree>
   </p:cSld>
   <p:clrMapOvr>
@@ -10216,8 +10306,8 @@
         </p:nvSpPr>
         <p:spPr>
           <a:xfrm>
-            <a:off x="143669" y="201612"/>
-            <a:ext cx="4572000" cy="929640"/>
+            <a:off x="0" y="0"/>
+            <a:ext cx="4859338" cy="1131252"/>
           </a:xfrm>
           <a:custGeom>
             <a:avLst/>
@@ -10381,8 +10471,8 @@
         </p:nvSpPr>
         <p:spPr>
           <a:xfrm>
-            <a:off x="143669" y="1130719"/>
-            <a:ext cx="4572000" cy="1503045"/>
+            <a:off x="0" y="1130719"/>
+            <a:ext cx="4859338" cy="1503045"/>
           </a:xfrm>
           <a:custGeom>
             <a:avLst/>
@@ -10481,8 +10571,8 @@
         </p:nvSpPr>
         <p:spPr>
           <a:xfrm>
-            <a:off x="143669" y="2633446"/>
-            <a:ext cx="4572000" cy="2677160"/>
+            <a:off x="0" y="2633446"/>
+            <a:ext cx="4859338" cy="2677160"/>
           </a:xfrm>
           <a:custGeom>
             <a:avLst/>
@@ -10531,8 +10621,8 @@
         </p:nvSpPr>
         <p:spPr>
           <a:xfrm>
-            <a:off x="143669" y="2620733"/>
-            <a:ext cx="4572000" cy="25400"/>
+            <a:off x="0" y="2620733"/>
+            <a:ext cx="4859338" cy="25400"/>
           </a:xfrm>
           <a:custGeom>
             <a:avLst/>
@@ -10581,8 +10671,8 @@
         </p:nvSpPr>
         <p:spPr>
           <a:xfrm>
-            <a:off x="143669" y="5297488"/>
-            <a:ext cx="4572000" cy="1304925"/>
+            <a:off x="0" y="5297488"/>
+            <a:ext cx="4859338" cy="1506537"/>
           </a:xfrm>
           <a:custGeom>
             <a:avLst/>
@@ -10631,8 +10721,8 @@
         </p:nvSpPr>
         <p:spPr>
           <a:xfrm>
-            <a:off x="143669" y="5284787"/>
-            <a:ext cx="4572000" cy="25400"/>
+            <a:off x="0" y="5284787"/>
+            <a:ext cx="4859338" cy="25400"/>
           </a:xfrm>
           <a:custGeom>
             <a:avLst/>
@@ -11857,8 +11947,8 @@
         </p:nvSpPr>
         <p:spPr>
           <a:xfrm>
-            <a:off x="143669" y="201612"/>
-            <a:ext cx="4572000" cy="6400800"/>
+            <a:off x="0" y="1"/>
+            <a:ext cx="4859337" cy="6804024"/>
           </a:xfrm>
           <a:custGeom>
             <a:avLst/>
@@ -12948,6 +13038,51 @@
           <a:lstStyle/>
           <a:p>
             <a:endParaRPr/>
+          </a:p>
+        </p:txBody>
+      </p:sp>
+      <p:sp>
+        <p:nvSpPr>
+          <p:cNvPr id="20" name="Tekstvak 58">
+            <a:extLst>
+              <a:ext uri="{FF2B5EF4-FFF2-40B4-BE49-F238E27FC236}">
+                <a16:creationId xmlns:a16="http://schemas.microsoft.com/office/drawing/2014/main" id="{8B2D1EF8-C65A-462D-8ED7-A097C15310DA}"/>
+              </a:ext>
+            </a:extLst>
+          </p:cNvPr>
+          <p:cNvSpPr txBox="1"/>
+          <p:nvPr/>
+        </p:nvSpPr>
+        <p:spPr>
+          <a:xfrm rot="16200000">
+            <a:off x="3968637" y="5917507"/>
+            <a:ext cx="1401783" cy="379510"/>
+          </a:xfrm>
+          <a:prstGeom prst="rect">
+            <a:avLst/>
+          </a:prstGeom>
+          <a:noFill/>
+        </p:spPr>
+        <p:txBody>
+          <a:bodyPr wrap="square" tIns="0" bIns="280800" rtlCol="0" anchor="b" anchorCtr="0">
+            <a:spAutoFit/>
+          </a:bodyPr>
+          <a:lstStyle/>
+          <a:p>
+            <a:pPr algn="r"/>
+            <a:r>
+              <a:rPr lang="en-US" sz="600" dirty="0" err="1">
+                <a:solidFill>
+                  <a:srgbClr val="2980FF"/>
+                </a:solidFill>
+              </a:rPr>
+              <a:t>yyyymmdd</a:t>
+            </a:r>
+            <a:endParaRPr lang="en-US" sz="600" dirty="0">
+              <a:solidFill>
+                <a:srgbClr val="2980FF"/>
+              </a:solidFill>
+            </a:endParaRPr>
           </a:p>
         </p:txBody>
       </p:sp>
@@ -17165,6 +17300,51 @@
           </a:p>
         </p:txBody>
       </p:sp>
+      <p:sp>
+        <p:nvSpPr>
+          <p:cNvPr id="32" name="Tekstvak 58">
+            <a:extLst>
+              <a:ext uri="{FF2B5EF4-FFF2-40B4-BE49-F238E27FC236}">
+                <a16:creationId xmlns:a16="http://schemas.microsoft.com/office/drawing/2014/main" id="{4B049CE8-37F6-44CA-B4CB-5DE062D9D1C6}"/>
+              </a:ext>
+            </a:extLst>
+          </p:cNvPr>
+          <p:cNvSpPr txBox="1"/>
+          <p:nvPr/>
+        </p:nvSpPr>
+        <p:spPr>
+          <a:xfrm rot="16200000">
+            <a:off x="3968637" y="5917507"/>
+            <a:ext cx="1401783" cy="379510"/>
+          </a:xfrm>
+          <a:prstGeom prst="rect">
+            <a:avLst/>
+          </a:prstGeom>
+          <a:noFill/>
+        </p:spPr>
+        <p:txBody>
+          <a:bodyPr wrap="square" tIns="0" bIns="280800" rtlCol="0" anchor="b" anchorCtr="0">
+            <a:spAutoFit/>
+          </a:bodyPr>
+          <a:lstStyle/>
+          <a:p>
+            <a:pPr algn="r"/>
+            <a:r>
+              <a:rPr lang="en-US" sz="600" dirty="0" err="1">
+                <a:solidFill>
+                  <a:srgbClr val="2980FF"/>
+                </a:solidFill>
+              </a:rPr>
+              <a:t>yyyymmdd</a:t>
+            </a:r>
+            <a:endParaRPr lang="en-US" sz="600" dirty="0">
+              <a:solidFill>
+                <a:srgbClr val="2980FF"/>
+              </a:solidFill>
+            </a:endParaRPr>
+          </a:p>
+        </p:txBody>
+      </p:sp>
     </p:spTree>
   </p:cSld>
   <p:clrMapOvr>
@@ -24093,6 +24273,51 @@
           </a:p>
         </p:txBody>
       </p:sp>
+      <p:sp>
+        <p:nvSpPr>
+          <p:cNvPr id="20" name="Tekstvak 58">
+            <a:extLst>
+              <a:ext uri="{FF2B5EF4-FFF2-40B4-BE49-F238E27FC236}">
+                <a16:creationId xmlns:a16="http://schemas.microsoft.com/office/drawing/2014/main" id="{ECD39457-1604-4729-955F-7099F3271C7E}"/>
+              </a:ext>
+            </a:extLst>
+          </p:cNvPr>
+          <p:cNvSpPr txBox="1"/>
+          <p:nvPr/>
+        </p:nvSpPr>
+        <p:spPr>
+          <a:xfrm rot="16200000">
+            <a:off x="3968637" y="5917507"/>
+            <a:ext cx="1401783" cy="379510"/>
+          </a:xfrm>
+          <a:prstGeom prst="rect">
+            <a:avLst/>
+          </a:prstGeom>
+          <a:noFill/>
+        </p:spPr>
+        <p:txBody>
+          <a:bodyPr wrap="square" tIns="0" bIns="280800" rtlCol="0" anchor="b" anchorCtr="0">
+            <a:spAutoFit/>
+          </a:bodyPr>
+          <a:lstStyle/>
+          <a:p>
+            <a:pPr algn="r"/>
+            <a:r>
+              <a:rPr lang="en-US" sz="600" dirty="0" err="1">
+                <a:solidFill>
+                  <a:srgbClr val="2980FF"/>
+                </a:solidFill>
+              </a:rPr>
+              <a:t>yyyymmdd</a:t>
+            </a:r>
+            <a:endParaRPr lang="en-US" sz="600" dirty="0">
+              <a:solidFill>
+                <a:srgbClr val="2980FF"/>
+              </a:solidFill>
+            </a:endParaRPr>
+          </a:p>
+        </p:txBody>
+      </p:sp>
     </p:spTree>
   </p:cSld>
   <p:clrMapOvr>
@@ -28502,6 +28727,51 @@
           <a:lstStyle/>
           <a:p>
             <a:endParaRPr/>
+          </a:p>
+        </p:txBody>
+      </p:sp>
+      <p:sp>
+        <p:nvSpPr>
+          <p:cNvPr id="24" name="Tekstvak 58">
+            <a:extLst>
+              <a:ext uri="{FF2B5EF4-FFF2-40B4-BE49-F238E27FC236}">
+                <a16:creationId xmlns:a16="http://schemas.microsoft.com/office/drawing/2014/main" id="{FF8083DA-EEC7-4BF5-A6EB-63FEB39BEC14}"/>
+              </a:ext>
+            </a:extLst>
+          </p:cNvPr>
+          <p:cNvSpPr txBox="1"/>
+          <p:nvPr/>
+        </p:nvSpPr>
+        <p:spPr>
+          <a:xfrm rot="16200000">
+            <a:off x="3968637" y="5917507"/>
+            <a:ext cx="1401783" cy="379510"/>
+          </a:xfrm>
+          <a:prstGeom prst="rect">
+            <a:avLst/>
+          </a:prstGeom>
+          <a:noFill/>
+        </p:spPr>
+        <p:txBody>
+          <a:bodyPr wrap="square" tIns="0" bIns="280800" rtlCol="0" anchor="b" anchorCtr="0">
+            <a:spAutoFit/>
+          </a:bodyPr>
+          <a:lstStyle/>
+          <a:p>
+            <a:pPr algn="r"/>
+            <a:r>
+              <a:rPr lang="en-US" sz="600" dirty="0" err="1">
+                <a:solidFill>
+                  <a:srgbClr val="2980FF"/>
+                </a:solidFill>
+              </a:rPr>
+              <a:t>yyyymmdd</a:t>
+            </a:r>
+            <a:endParaRPr lang="en-US" sz="600" dirty="0">
+              <a:solidFill>
+                <a:srgbClr val="2980FF"/>
+              </a:solidFill>
+            </a:endParaRPr>
           </a:p>
         </p:txBody>
       </p:sp>
@@ -32909,6 +33179,51 @@
           </a:p>
         </p:txBody>
       </p:sp>
+      <p:sp>
+        <p:nvSpPr>
+          <p:cNvPr id="26" name="Tekstvak 58">
+            <a:extLst>
+              <a:ext uri="{FF2B5EF4-FFF2-40B4-BE49-F238E27FC236}">
+                <a16:creationId xmlns:a16="http://schemas.microsoft.com/office/drawing/2014/main" id="{E194EC47-645D-49EC-8B04-1C8BC8902D87}"/>
+              </a:ext>
+            </a:extLst>
+          </p:cNvPr>
+          <p:cNvSpPr txBox="1"/>
+          <p:nvPr/>
+        </p:nvSpPr>
+        <p:spPr>
+          <a:xfrm rot="16200000">
+            <a:off x="3968637" y="5917507"/>
+            <a:ext cx="1401783" cy="379510"/>
+          </a:xfrm>
+          <a:prstGeom prst="rect">
+            <a:avLst/>
+          </a:prstGeom>
+          <a:noFill/>
+        </p:spPr>
+        <p:txBody>
+          <a:bodyPr wrap="square" tIns="0" bIns="280800" rtlCol="0" anchor="b" anchorCtr="0">
+            <a:spAutoFit/>
+          </a:bodyPr>
+          <a:lstStyle/>
+          <a:p>
+            <a:pPr algn="r"/>
+            <a:r>
+              <a:rPr lang="en-US" sz="600" dirty="0" err="1">
+                <a:solidFill>
+                  <a:srgbClr val="2980FF"/>
+                </a:solidFill>
+              </a:rPr>
+              <a:t>yyyymmdd</a:t>
+            </a:r>
+            <a:endParaRPr lang="en-US" sz="600" dirty="0">
+              <a:solidFill>
+                <a:srgbClr val="2980FF"/>
+              </a:solidFill>
+            </a:endParaRPr>
+          </a:p>
+        </p:txBody>
+      </p:sp>
     </p:spTree>
   </p:cSld>
   <p:clrMapOvr>
@@ -36071,6 +36386,51 @@
           <a:lstStyle/>
           <a:p>
             <a:endParaRPr/>
+          </a:p>
+        </p:txBody>
+      </p:sp>
+      <p:sp>
+        <p:nvSpPr>
+          <p:cNvPr id="22" name="Tekstvak 58">
+            <a:extLst>
+              <a:ext uri="{FF2B5EF4-FFF2-40B4-BE49-F238E27FC236}">
+                <a16:creationId xmlns:a16="http://schemas.microsoft.com/office/drawing/2014/main" id="{C8B7F7A7-C39C-4E92-B942-140DD409DFB9}"/>
+              </a:ext>
+            </a:extLst>
+          </p:cNvPr>
+          <p:cNvSpPr txBox="1"/>
+          <p:nvPr/>
+        </p:nvSpPr>
+        <p:spPr>
+          <a:xfrm rot="16200000">
+            <a:off x="3968637" y="5917507"/>
+            <a:ext cx="1401783" cy="379510"/>
+          </a:xfrm>
+          <a:prstGeom prst="rect">
+            <a:avLst/>
+          </a:prstGeom>
+          <a:noFill/>
+        </p:spPr>
+        <p:txBody>
+          <a:bodyPr wrap="square" tIns="0" bIns="280800" rtlCol="0" anchor="b" anchorCtr="0">
+            <a:spAutoFit/>
+          </a:bodyPr>
+          <a:lstStyle/>
+          <a:p>
+            <a:pPr algn="r"/>
+            <a:r>
+              <a:rPr lang="en-US" sz="600" dirty="0" err="1">
+                <a:solidFill>
+                  <a:srgbClr val="2980FF"/>
+                </a:solidFill>
+              </a:rPr>
+              <a:t>yyyymmdd</a:t>
+            </a:r>
+            <a:endParaRPr lang="en-US" sz="600" dirty="0">
+              <a:solidFill>
+                <a:srgbClr val="2980FF"/>
+              </a:solidFill>
+            </a:endParaRPr>
           </a:p>
         </p:txBody>
       </p:sp>
